--- a/Batch-07/Udemy/Curriculum/PowerPoints/Lecture 15 - AWS Free usage tier.pptx
+++ b/Batch-07/Udemy/Curriculum/PowerPoints/Lecture 15 - AWS Free usage tier.pptx
@@ -221,7 +221,7 @@
             <a:fld id="{AD75EC4F-A4FF-4EC3-91D6-11BA9A50712C}" type="datetimeFigureOut">
               <a:rPr lang="en-US" smtClean="0"/>
               <a:pPr/>
-              <a:t>4/22/2022</a:t>
+              <a:t>4/28/2022</a:t>
             </a:fld>
             <a:endParaRPr lang="en-US"/>
           </a:p>
@@ -658,7 +658,7 @@
             <a:fld id="{97F9FE86-6232-4B82-85E4-3ABB51E5B8DE}" type="datetimeFigureOut">
               <a:rPr lang="en-US" smtClean="0"/>
               <a:pPr/>
-              <a:t>4/22/2022</a:t>
+              <a:t>4/28/2022</a:t>
             </a:fld>
             <a:endParaRPr lang="en-US"/>
           </a:p>
@@ -824,7 +824,7 @@
             <a:fld id="{97F9FE86-6232-4B82-85E4-3ABB51E5B8DE}" type="datetimeFigureOut">
               <a:rPr lang="en-US" smtClean="0"/>
               <a:pPr/>
-              <a:t>4/22/2022</a:t>
+              <a:t>4/28/2022</a:t>
             </a:fld>
             <a:endParaRPr lang="en-US"/>
           </a:p>
@@ -1000,7 +1000,7 @@
             <a:fld id="{97F9FE86-6232-4B82-85E4-3ABB51E5B8DE}" type="datetimeFigureOut">
               <a:rPr lang="en-US" smtClean="0"/>
               <a:pPr/>
-              <a:t>4/22/2022</a:t>
+              <a:t>4/28/2022</a:t>
             </a:fld>
             <a:endParaRPr lang="en-US"/>
           </a:p>
@@ -1166,7 +1166,7 @@
             <a:fld id="{97F9FE86-6232-4B82-85E4-3ABB51E5B8DE}" type="datetimeFigureOut">
               <a:rPr lang="en-US" smtClean="0"/>
               <a:pPr/>
-              <a:t>4/22/2022</a:t>
+              <a:t>4/28/2022</a:t>
             </a:fld>
             <a:endParaRPr lang="en-US"/>
           </a:p>
@@ -1409,7 +1409,7 @@
             <a:fld id="{97F9FE86-6232-4B82-85E4-3ABB51E5B8DE}" type="datetimeFigureOut">
               <a:rPr lang="en-US" smtClean="0"/>
               <a:pPr/>
-              <a:t>4/22/2022</a:t>
+              <a:t>4/28/2022</a:t>
             </a:fld>
             <a:endParaRPr lang="en-US"/>
           </a:p>
@@ -1674,7 +1674,7 @@
             <a:fld id="{97F9FE86-6232-4B82-85E4-3ABB51E5B8DE}" type="datetimeFigureOut">
               <a:rPr lang="en-US" smtClean="0"/>
               <a:pPr/>
-              <a:t>4/22/2022</a:t>
+              <a:t>4/28/2022</a:t>
             </a:fld>
             <a:endParaRPr lang="en-US"/>
           </a:p>
@@ -2053,7 +2053,7 @@
             <a:fld id="{97F9FE86-6232-4B82-85E4-3ABB51E5B8DE}" type="datetimeFigureOut">
               <a:rPr lang="en-US" smtClean="0"/>
               <a:pPr/>
-              <a:t>4/22/2022</a:t>
+              <a:t>4/28/2022</a:t>
             </a:fld>
             <a:endParaRPr lang="en-US"/>
           </a:p>
@@ -2204,7 +2204,7 @@
             <a:fld id="{97F9FE86-6232-4B82-85E4-3ABB51E5B8DE}" type="datetimeFigureOut">
               <a:rPr lang="en-US" smtClean="0"/>
               <a:pPr/>
-              <a:t>4/22/2022</a:t>
+              <a:t>4/28/2022</a:t>
             </a:fld>
             <a:endParaRPr lang="en-US"/>
           </a:p>
@@ -2296,7 +2296,7 @@
             <a:fld id="{97F9FE86-6232-4B82-85E4-3ABB51E5B8DE}" type="datetimeFigureOut">
               <a:rPr lang="en-US" smtClean="0"/>
               <a:pPr/>
-              <a:t>4/22/2022</a:t>
+              <a:t>4/28/2022</a:t>
             </a:fld>
             <a:endParaRPr lang="en-US"/>
           </a:p>
@@ -2558,7 +2558,7 @@
             <a:fld id="{97F9FE86-6232-4B82-85E4-3ABB51E5B8DE}" type="datetimeFigureOut">
               <a:rPr lang="en-US" smtClean="0"/>
               <a:pPr/>
-              <a:t>4/22/2022</a:t>
+              <a:t>4/28/2022</a:t>
             </a:fld>
             <a:endParaRPr lang="en-US"/>
           </a:p>
@@ -2847,7 +2847,7 @@
             <a:fld id="{97F9FE86-6232-4B82-85E4-3ABB51E5B8DE}" type="datetimeFigureOut">
               <a:rPr lang="en-US" smtClean="0"/>
               <a:pPr/>
-              <a:t>4/22/2022</a:t>
+              <a:t>4/28/2022</a:t>
             </a:fld>
             <a:endParaRPr lang="en-US"/>
           </a:p>
@@ -3618,7 +3618,7 @@
             <a:fld id="{97F9FE86-6232-4B82-85E4-3ABB51E5B8DE}" type="datetimeFigureOut">
               <a:rPr lang="en-US" smtClean="0"/>
               <a:pPr/>
-              <a:t>4/22/2022</a:t>
+              <a:t>4/28/2022</a:t>
             </a:fld>
             <a:endParaRPr lang="en-US"/>
           </a:p>
@@ -4288,7 +4288,7 @@
         <p:spPr>
           <a:xfrm>
             <a:off x="533400" y="457200"/>
-            <a:ext cx="1295400" cy="685800"/>
+            <a:ext cx="1295400" cy="609600"/>
           </a:xfrm>
           <a:prstGeom prst="rect">
             <a:avLst/>
